--- a/PRESENTATIONS/3-dos_and_donts_snmmi_workshop_2020.pptx
+++ b/PRESENTATIONS/3-dos_and_donts_snmmi_workshop_2020.pptx
@@ -7,7 +7,7 @@
     <p:sldMasterId id="2147483933" r:id="rId3"/>
   </p:sldMasterIdLst>
   <p:notesMasterIdLst>
-    <p:notesMasterId r:id="rId15"/>
+    <p:notesMasterId r:id="rId16"/>
   </p:notesMasterIdLst>
   <p:sldIdLst>
     <p:sldId id="1078" r:id="rId4"/>
@@ -20,7 +20,8 @@
     <p:sldId id="1173" r:id="rId11"/>
     <p:sldId id="1174" r:id="rId12"/>
     <p:sldId id="1175" r:id="rId13"/>
-    <p:sldId id="1176" r:id="rId14"/>
+    <p:sldId id="1177" r:id="rId14"/>
+    <p:sldId id="1176" r:id="rId15"/>
   </p:sldIdLst>
   <p:sldSz cx="12192000" cy="6858000"/>
   <p:notesSz cx="6858000" cy="9144000"/>
@@ -3331,7 +3332,7 @@
               <a:pPr>
                 <a:defRPr/>
               </a:pPr>
-              <a:t>3/31/2020</a:t>
+              <a:t>4/7/2020</a:t>
             </a:fld>
             <a:endParaRPr lang="en-US" dirty="0"/>
           </a:p>
@@ -3950,7 +3951,7 @@
           <a:p>
             <a:fld id="{645DF717-FD4C-4F08-8EFB-02DDA07AF76F}" type="datetimeFigureOut">
               <a:rPr lang="en-US" smtClean="0"/>
-              <a:t>3/31/2020</a:t>
+              <a:t>4/7/2020</a:t>
             </a:fld>
             <a:endParaRPr lang="en-US"/>
           </a:p>
@@ -4120,7 +4121,7 @@
           <a:p>
             <a:fld id="{645DF717-FD4C-4F08-8EFB-02DDA07AF76F}" type="datetimeFigureOut">
               <a:rPr lang="en-US" smtClean="0"/>
-              <a:t>3/31/2020</a:t>
+              <a:t>4/7/2020</a:t>
             </a:fld>
             <a:endParaRPr lang="en-US"/>
           </a:p>
@@ -4300,7 +4301,7 @@
           <a:p>
             <a:fld id="{645DF717-FD4C-4F08-8EFB-02DDA07AF76F}" type="datetimeFigureOut">
               <a:rPr lang="en-US" smtClean="0"/>
-              <a:t>3/31/2020</a:t>
+              <a:t>4/7/2020</a:t>
             </a:fld>
             <a:endParaRPr lang="en-US"/>
           </a:p>
@@ -6036,7 +6037,7 @@
           <a:p>
             <a:fld id="{645DF717-FD4C-4F08-8EFB-02DDA07AF76F}" type="datetimeFigureOut">
               <a:rPr lang="en-US" smtClean="0"/>
-              <a:t>3/31/2020</a:t>
+              <a:t>4/7/2020</a:t>
             </a:fld>
             <a:endParaRPr lang="en-US"/>
           </a:p>
@@ -7786,7 +7787,7 @@
           <a:p>
             <a:fld id="{645DF717-FD4C-4F08-8EFB-02DDA07AF76F}" type="datetimeFigureOut">
               <a:rPr lang="en-US" smtClean="0"/>
-              <a:t>3/31/2020</a:t>
+              <a:t>4/7/2020</a:t>
             </a:fld>
             <a:endParaRPr lang="en-US"/>
           </a:p>
@@ -9379,7 +9380,7 @@
           <a:p>
             <a:fld id="{645DF717-FD4C-4F08-8EFB-02DDA07AF76F}" type="datetimeFigureOut">
               <a:rPr lang="en-US" smtClean="0"/>
-              <a:t>3/31/2020</a:t>
+              <a:t>4/7/2020</a:t>
             </a:fld>
             <a:endParaRPr lang="en-US"/>
           </a:p>
@@ -9746,7 +9747,7 @@
           <a:p>
             <a:fld id="{645DF717-FD4C-4F08-8EFB-02DDA07AF76F}" type="datetimeFigureOut">
               <a:rPr lang="en-US" smtClean="0"/>
-              <a:t>3/31/2020</a:t>
+              <a:t>4/7/2020</a:t>
             </a:fld>
             <a:endParaRPr lang="en-US"/>
           </a:p>
@@ -9864,7 +9865,7 @@
           <a:p>
             <a:fld id="{645DF717-FD4C-4F08-8EFB-02DDA07AF76F}" type="datetimeFigureOut">
               <a:rPr lang="en-US" smtClean="0"/>
-              <a:t>3/31/2020</a:t>
+              <a:t>4/7/2020</a:t>
             </a:fld>
             <a:endParaRPr lang="en-US"/>
           </a:p>
@@ -9959,7 +9960,7 @@
           <a:p>
             <a:fld id="{645DF717-FD4C-4F08-8EFB-02DDA07AF76F}" type="datetimeFigureOut">
               <a:rPr lang="en-US" smtClean="0"/>
-              <a:t>3/31/2020</a:t>
+              <a:t>4/7/2020</a:t>
             </a:fld>
             <a:endParaRPr lang="en-US"/>
           </a:p>
@@ -10236,7 +10237,7 @@
           <a:p>
             <a:fld id="{645DF717-FD4C-4F08-8EFB-02DDA07AF76F}" type="datetimeFigureOut">
               <a:rPr lang="en-US" smtClean="0"/>
-              <a:t>3/31/2020</a:t>
+              <a:t>4/7/2020</a:t>
             </a:fld>
             <a:endParaRPr lang="en-US"/>
           </a:p>
@@ -10493,7 +10494,7 @@
           <a:p>
             <a:fld id="{645DF717-FD4C-4F08-8EFB-02DDA07AF76F}" type="datetimeFigureOut">
               <a:rPr lang="en-US" smtClean="0"/>
-              <a:t>3/31/2020</a:t>
+              <a:t>4/7/2020</a:t>
             </a:fld>
             <a:endParaRPr lang="en-US"/>
           </a:p>
@@ -10706,7 +10707,7 @@
           <a:p>
             <a:fld id="{645DF717-FD4C-4F08-8EFB-02DDA07AF76F}" type="datetimeFigureOut">
               <a:rPr lang="en-US" smtClean="0"/>
-              <a:t>3/31/2020</a:t>
+              <a:t>4/7/2020</a:t>
             </a:fld>
             <a:endParaRPr lang="en-US"/>
           </a:p>
@@ -13774,6 +13775,169 @@
           <p:cNvPr id="2" name="Content Placeholder 1">
             <a:extLst>
               <a:ext uri="{FF2B5EF4-FFF2-40B4-BE49-F238E27FC236}">
+                <a16:creationId xmlns:a16="http://schemas.microsoft.com/office/drawing/2014/main" id="{BECA31C7-D0D9-4133-8651-0FC950E05FF7}"/>
+              </a:ext>
+            </a:extLst>
+          </p:cNvPr>
+          <p:cNvSpPr>
+            <a:spLocks noGrp="1"/>
+          </p:cNvSpPr>
+          <p:nvPr>
+            <p:ph idx="1"/>
+          </p:nvPr>
+        </p:nvSpPr>
+        <p:spPr>
+          <a:xfrm>
+            <a:off x="304800" y="5608948"/>
+            <a:ext cx="11277600" cy="1037915"/>
+          </a:xfrm>
+        </p:spPr>
+        <p:txBody>
+          <a:bodyPr>
+            <a:normAutofit/>
+          </a:bodyPr>
+          <a:lstStyle/>
+          <a:p>
+            <a:r>
+              <a:rPr lang="en-US" sz="1800" dirty="0">
+                <a:hlinkClick r:id="rId2"/>
+              </a:rPr>
+              <a:t>https://github.com/nerox8664/awesome-computer-vision-models</a:t>
+            </a:r>
+            <a:endParaRPr lang="en-US" sz="1800" dirty="0"/>
+          </a:p>
+          <a:p>
+            <a:r>
+              <a:rPr lang="en-US" sz="1800" dirty="0">
+                <a:hlinkClick r:id="rId3"/>
+              </a:rPr>
+              <a:t>https://github.com/qubvel/segmentation_models</a:t>
+            </a:r>
+            <a:r>
+              <a:rPr lang="en-US" sz="1800" dirty="0"/>
+              <a:t> </a:t>
+            </a:r>
+          </a:p>
+        </p:txBody>
+      </p:sp>
+      <p:sp>
+        <p:nvSpPr>
+          <p:cNvPr id="3" name="Text Placeholder 2">
+            <a:extLst>
+              <a:ext uri="{FF2B5EF4-FFF2-40B4-BE49-F238E27FC236}">
+                <a16:creationId xmlns:a16="http://schemas.microsoft.com/office/drawing/2014/main" id="{1B780DF4-107E-42E9-8C0D-ADD9A67CFD41}"/>
+              </a:ext>
+            </a:extLst>
+          </p:cNvPr>
+          <p:cNvSpPr>
+            <a:spLocks noGrp="1"/>
+          </p:cNvSpPr>
+          <p:nvPr>
+            <p:ph type="body" sz="quarter" idx="10"/>
+          </p:nvPr>
+        </p:nvSpPr>
+        <p:spPr/>
+        <p:txBody>
+          <a:bodyPr/>
+          <a:lstStyle/>
+          <a:p>
+            <a:r>
+              <a:rPr lang="en-US" dirty="0"/>
+              <a:t>5. Do: explore </a:t>
+            </a:r>
+            <a:r>
+              <a:rPr lang="en-US" dirty="0" err="1"/>
+              <a:t>github</a:t>
+            </a:r>
+            <a:r>
+              <a:rPr lang="en-US" dirty="0"/>
+              <a:t> for existing networks</a:t>
+            </a:r>
+          </a:p>
+        </p:txBody>
+      </p:sp>
+      <p:pic>
+        <p:nvPicPr>
+          <p:cNvPr id="1028" name="Picture 4">
+            <a:extLst>
+              <a:ext uri="{FF2B5EF4-FFF2-40B4-BE49-F238E27FC236}">
+                <a16:creationId xmlns:a16="http://schemas.microsoft.com/office/drawing/2014/main" id="{A076B529-81ED-454B-896C-F7AC91A08996}"/>
+              </a:ext>
+            </a:extLst>
+          </p:cNvPr>
+          <p:cNvPicPr>
+            <a:picLocks noChangeAspect="1" noChangeArrowheads="1"/>
+          </p:cNvPicPr>
+          <p:nvPr/>
+        </p:nvPicPr>
+        <p:blipFill>
+          <a:blip r:embed="rId4">
+            <a:extLst>
+              <a:ext uri="{28A0092B-C50C-407E-A947-70E740481C1C}">
+                <a14:useLocalDpi xmlns:a14="http://schemas.microsoft.com/office/drawing/2010/main" val="0"/>
+              </a:ext>
+            </a:extLst>
+          </a:blip>
+          <a:srcRect/>
+          <a:stretch>
+            <a:fillRect/>
+          </a:stretch>
+        </p:blipFill>
+        <p:spPr bwMode="auto">
+          <a:xfrm>
+            <a:off x="2611617" y="1008668"/>
+            <a:ext cx="6476349" cy="3927786"/>
+          </a:xfrm>
+          <a:prstGeom prst="rect">
+            <a:avLst/>
+          </a:prstGeom>
+          <a:noFill/>
+          <a:extLst>
+            <a:ext uri="{909E8E84-426E-40DD-AFC4-6F175D3DCCD1}">
+              <a14:hiddenFill xmlns:a14="http://schemas.microsoft.com/office/drawing/2010/main">
+                <a:solidFill>
+                  <a:srgbClr val="FFFFFF"/>
+                </a:solidFill>
+              </a14:hiddenFill>
+            </a:ext>
+          </a:extLst>
+        </p:spPr>
+      </p:pic>
+    </p:spTree>
+    <p:extLst>
+      <p:ext uri="{BB962C8B-B14F-4D97-AF65-F5344CB8AC3E}">
+        <p14:creationId xmlns:p14="http://schemas.microsoft.com/office/powerpoint/2010/main" val="2303588265"/>
+      </p:ext>
+    </p:extLst>
+  </p:cSld>
+  <p:clrMapOvr>
+    <a:masterClrMapping/>
+  </p:clrMapOvr>
+</p:sld>
+</file>
+
+<file path=ppt/slides/slide12.xml><?xml version="1.0" encoding="utf-8"?>
+<p:sld xmlns:a="http://schemas.openxmlformats.org/drawingml/2006/main" xmlns:r="http://schemas.openxmlformats.org/officeDocument/2006/relationships" xmlns:p="http://schemas.openxmlformats.org/presentationml/2006/main">
+  <p:cSld>
+    <p:spTree>
+      <p:nvGrpSpPr>
+        <p:cNvPr id="1" name=""/>
+        <p:cNvGrpSpPr/>
+        <p:nvPr/>
+      </p:nvGrpSpPr>
+      <p:grpSpPr>
+        <a:xfrm>
+          <a:off x="0" y="0"/>
+          <a:ext cx="0" cy="0"/>
+          <a:chOff x="0" y="0"/>
+          <a:chExt cx="0" cy="0"/>
+        </a:xfrm>
+      </p:grpSpPr>
+      <p:sp>
+        <p:nvSpPr>
+          <p:cNvPr id="2" name="Content Placeholder 1">
+            <a:extLst>
+              <a:ext uri="{FF2B5EF4-FFF2-40B4-BE49-F238E27FC236}">
                 <a16:creationId xmlns:a16="http://schemas.microsoft.com/office/drawing/2014/main" id="{382A2A67-6210-45D0-B88E-F34642D4C391}"/>
               </a:ext>
             </a:extLst>
@@ -13790,6 +13954,9 @@
           <a:bodyPr/>
           <a:lstStyle/>
           <a:p>
+            <a:pPr marL="0" indent="0">
+              <a:buNone/>
+            </a:pPr>
             <a:r>
               <a:rPr lang="en-US" dirty="0"/>
               <a:t>Resources</a:t>
